--- a/Course Outline.pptx
+++ b/Course Outline.pptx
@@ -5,20 +5,20 @@
     <p:sldMasterId id="2147483648" r:id="rId1"/>
   </p:sldMasterIdLst>
   <p:notesMasterIdLst>
-    <p:notesMasterId r:id="rId11"/>
+    <p:notesMasterId r:id="rId10"/>
   </p:notesMasterIdLst>
   <p:handoutMasterIdLst>
-    <p:handoutMasterId r:id="rId12"/>
+    <p:handoutMasterId r:id="rId11"/>
   </p:handoutMasterIdLst>
   <p:sldIdLst>
-    <p:sldId id="430" r:id="rId3"/>
-    <p:sldId id="533" r:id="rId4"/>
-    <p:sldId id="539" r:id="rId5"/>
-    <p:sldId id="541" r:id="rId6"/>
-    <p:sldId id="540" r:id="rId7"/>
-    <p:sldId id="536" r:id="rId8"/>
-    <p:sldId id="537" r:id="rId9"/>
-    <p:sldId id="520" r:id="rId10"/>
+    <p:sldId id="430" r:id="rId2"/>
+    <p:sldId id="533" r:id="rId3"/>
+    <p:sldId id="539" r:id="rId4"/>
+    <p:sldId id="541" r:id="rId5"/>
+    <p:sldId id="540" r:id="rId6"/>
+    <p:sldId id="536" r:id="rId7"/>
+    <p:sldId id="537" r:id="rId8"/>
+    <p:sldId id="520" r:id="rId9"/>
   </p:sldIdLst>
   <p:sldSz cx="12192000" cy="6858000"/>
   <p:notesSz cx="7010400" cy="9296400"/>
@@ -117,6 +117,36 @@
       </a:defRPr>
     </a:lvl9pPr>
   </p:defaultTextStyle>
+  <p:extLst>
+    <p:ext uri="{EFAFB233-063F-42B5-8137-9DF3F51BA10A}">
+      <p15:sldGuideLst xmlns:p15="http://schemas.microsoft.com/office/powerpoint/2012/main">
+        <p15:guide id="1" orient="horz" pos="2160">
+          <p15:clr>
+            <a:srgbClr val="A4A3A4"/>
+          </p15:clr>
+        </p15:guide>
+        <p15:guide id="2" pos="3840">
+          <p15:clr>
+            <a:srgbClr val="A4A3A4"/>
+          </p15:clr>
+        </p15:guide>
+      </p15:sldGuideLst>
+    </p:ext>
+    <p:ext uri="{2D200454-40CA-4A62-9FC3-DE9A4176ACB9}">
+      <p15:notesGuideLst xmlns:p15="http://schemas.microsoft.com/office/powerpoint/2012/main">
+        <p15:guide id="1" orient="horz" pos="2928">
+          <p15:clr>
+            <a:srgbClr val="A4A3A4"/>
+          </p15:clr>
+        </p15:guide>
+        <p15:guide id="2" pos="2208">
+          <p15:clr>
+            <a:srgbClr val="A4A3A4"/>
+          </p15:clr>
+        </p15:guide>
+      </p15:notesGuideLst>
+    </p:ext>
+  </p:extLst>
 </p:presentation>
 </file>
 
@@ -222,6 +252,7 @@
             </a:pPr>
             <a:fld id="{FC12B9F6-F122-491A-95C6-E018732BC688}" type="datetimeFigureOut">
               <a:rPr lang="en-US"/>
+              <a:t>11/1/2024</a:t>
             </a:fld>
             <a:endParaRPr lang="en-US"/>
           </a:p>
@@ -307,12 +338,18 @@
             </a:pPr>
             <a:fld id="{4074A5A1-6F31-47AA-9657-1BF1CA7CA9CE}" type="slidenum">
               <a:rPr lang="en-US"/>
+              <a:t>‹#›</a:t>
             </a:fld>
             <a:endParaRPr lang="en-US"/>
           </a:p>
         </p:txBody>
       </p:sp>
     </p:spTree>
+    <p:extLst>
+      <p:ext uri="{BB962C8B-B14F-4D97-AF65-F5344CB8AC3E}">
+        <p14:creationId xmlns:p14="http://schemas.microsoft.com/office/powerpoint/2010/main" val="1"/>
+      </p:ext>
+    </p:extLst>
   </p:cSld>
   <p:clrMap bg1="lt1" tx1="dk1" bg2="lt2" tx2="dk2" accent1="accent1" accent2="accent2" accent3="accent3" accent4="accent4" accent5="accent5" accent6="accent6" hlink="hlink" folHlink="folHlink"/>
   <p:hf hdr="0" ftr="0" dt="0"/>
@@ -423,6 +460,7 @@
             </a:pPr>
             <a:fld id="{0473E206-1088-4AFE-A316-394B348E78B4}" type="datetimeFigureOut">
               <a:rPr lang="zh-CN" altLang="en-US"/>
+              <a:t>2024/11/1</a:t>
             </a:fld>
             <a:endParaRPr lang="en-US" altLang="zh-CN"/>
           </a:p>
@@ -495,7 +533,6 @@
               <a:rPr lang="zh-CN" altLang="en-US" noProof="0"/>
               <a:t>单击此处编辑母版文本样式</a:t>
             </a:r>
-            <a:endParaRPr lang="zh-CN" altLang="en-US" noProof="0"/>
           </a:p>
           <a:p>
             <a:pPr lvl="1"/>
@@ -503,7 +540,6 @@
               <a:rPr lang="zh-CN" altLang="en-US" noProof="0"/>
               <a:t>第二级</a:t>
             </a:r>
-            <a:endParaRPr lang="zh-CN" altLang="en-US" noProof="0"/>
           </a:p>
           <a:p>
             <a:pPr lvl="2"/>
@@ -511,7 +547,6 @@
               <a:rPr lang="zh-CN" altLang="en-US" noProof="0"/>
               <a:t>第三级</a:t>
             </a:r>
-            <a:endParaRPr lang="zh-CN" altLang="en-US" noProof="0"/>
           </a:p>
           <a:p>
             <a:pPr lvl="3"/>
@@ -519,7 +554,6 @@
               <a:rPr lang="zh-CN" altLang="en-US" noProof="0"/>
               <a:t>第四级</a:t>
             </a:r>
-            <a:endParaRPr lang="zh-CN" altLang="en-US" noProof="0"/>
           </a:p>
           <a:p>
             <a:pPr lvl="4"/>
@@ -527,7 +561,6 @@
               <a:rPr lang="zh-CN" altLang="en-US" noProof="0"/>
               <a:t>第五级</a:t>
             </a:r>
-            <a:endParaRPr lang="zh-CN" altLang="en-US" noProof="0"/>
           </a:p>
         </p:txBody>
       </p:sp>
@@ -613,6 +646,7 @@
             </a:pPr>
             <a:fld id="{4FF8422B-51DA-4E7A-B534-C1AEC8577A48}" type="slidenum">
               <a:rPr lang="zh-CN" altLang="en-US"/>
+              <a:t>‹#›</a:t>
             </a:fld>
             <a:endParaRPr lang="en-US" altLang="zh-CN"/>
           </a:p>
@@ -885,6 +919,7 @@
             </a:pPr>
             <a:fld id="{35777D43-CACF-4401-B051-E29C008E35F5}" type="slidenum">
               <a:rPr lang="en-US" smtClean="0"/>
+              <a:t>‹#›</a:t>
             </a:fld>
             <a:endParaRPr lang="en-US"/>
           </a:p>
@@ -968,7 +1003,6 @@
               <a:rPr lang="en-US" altLang="zh-CN" dirty="0"/>
               <a:t>Click to edit Master text styles</a:t>
             </a:r>
-            <a:endParaRPr lang="en-US" altLang="zh-CN" dirty="0"/>
           </a:p>
           <a:p>
             <a:pPr lvl="1"/>
@@ -976,7 +1010,6 @@
               <a:rPr lang="en-US" altLang="zh-CN" dirty="0"/>
               <a:t>Second level</a:t>
             </a:r>
-            <a:endParaRPr lang="en-US" altLang="zh-CN" dirty="0"/>
           </a:p>
           <a:p>
             <a:pPr lvl="2"/>
@@ -984,7 +1017,6 @@
               <a:rPr lang="en-US" altLang="zh-CN" dirty="0"/>
               <a:t>Third level</a:t>
             </a:r>
-            <a:endParaRPr lang="en-US" altLang="zh-CN" dirty="0"/>
           </a:p>
           <a:p>
             <a:pPr lvl="3"/>
@@ -992,7 +1024,6 @@
               <a:rPr lang="en-US" altLang="zh-CN" dirty="0"/>
               <a:t>Fourth level</a:t>
             </a:r>
-            <a:endParaRPr lang="en-US" altLang="zh-CN" dirty="0"/>
           </a:p>
         </p:txBody>
       </p:sp>
@@ -1031,7 +1062,6 @@
               <a:rPr lang="en-US" dirty="0"/>
               <a:t>Click to edit Master title style</a:t>
             </a:r>
-            <a:endParaRPr lang="en-US" dirty="0"/>
           </a:p>
         </p:txBody>
       </p:sp>
@@ -1073,6 +1103,7 @@
             </a:pPr>
             <a:fld id="{35777D43-CACF-4401-B051-E29C008E35F5}" type="slidenum">
               <a:rPr lang="en-US" smtClean="0"/>
+              <a:t>‹#›</a:t>
             </a:fld>
             <a:endParaRPr lang="en-US"/>
           </a:p>
@@ -1491,7 +1522,6 @@
               <a:rPr lang="en-US"/>
               <a:t>Click to edit Master text styles</a:t>
             </a:r>
-            <a:endParaRPr lang="en-US"/>
           </a:p>
           <a:p>
             <a:pPr lvl="1"/>
@@ -1499,7 +1529,6 @@
               <a:rPr lang="en-US"/>
               <a:t>Second level</a:t>
             </a:r>
-            <a:endParaRPr lang="en-US"/>
           </a:p>
           <a:p>
             <a:pPr lvl="2"/>
@@ -1507,7 +1536,6 @@
               <a:rPr lang="en-US"/>
               <a:t>Third level</a:t>
             </a:r>
-            <a:endParaRPr lang="en-US"/>
           </a:p>
           <a:p>
             <a:pPr lvl="3"/>
@@ -1515,7 +1543,6 @@
               <a:rPr lang="en-US"/>
               <a:t>Fourth level</a:t>
             </a:r>
-            <a:endParaRPr lang="en-US"/>
           </a:p>
           <a:p>
             <a:pPr lvl="4"/>
@@ -1562,6 +1589,7 @@
           <a:p>
             <a:fld id="{4D9FFFB4-400D-1240-AB24-6F86C96D4DFB}" type="datetimeFigureOut">
               <a:rPr lang="en-US" smtClean="0"/>
+              <a:t>11/1/2024</a:t>
             </a:fld>
             <a:endParaRPr lang="en-US" dirty="0"/>
           </a:p>
@@ -1642,6 +1670,7 @@
             </a:pPr>
             <a:fld id="{35777D43-CACF-4401-B051-E29C008E35F5}" type="slidenum">
               <a:rPr lang="en-US" smtClean="0"/>
+              <a:t>‹#›</a:t>
             </a:fld>
             <a:endParaRPr lang="en-US"/>
           </a:p>
@@ -2087,7 +2116,7 @@
           <p:nvPr/>
         </p:nvPicPr>
         <p:blipFill>
-          <a:blip r:embed="rId1"/>
+          <a:blip r:embed="rId2"/>
           <a:stretch>
             <a:fillRect/>
           </a:stretch>
@@ -2180,6 +2209,7 @@
             </a:pPr>
             <a:fld id="{FB455955-1896-4E3D-983F-2AD3FBC14837}" type="slidenum">
               <a:rPr lang="en-US" smtClean="0"/>
+              <a:t>1</a:t>
             </a:fld>
             <a:endParaRPr lang="en-US" dirty="0"/>
           </a:p>
@@ -2238,6 +2268,7 @@
             </a:pPr>
             <a:fld id="{FB455955-1896-4E3D-983F-2AD3FBC14837}" type="slidenum">
               <a:rPr lang="en-US" smtClean="0"/>
+              <a:t>2</a:t>
             </a:fld>
             <a:endParaRPr lang="en-US" dirty="0"/>
           </a:p>
@@ -2354,10 +2385,6 @@
               </a:rPr>
               <a:t>COURSE OUTLINE</a:t>
             </a:r>
-            <a:endParaRPr lang="en-US">
-              <a:latin typeface="Times New Roman" panose="02020603050405020304" pitchFamily="18" charset="0"/>
-              <a:cs typeface="Times New Roman" panose="02020603050405020304" pitchFamily="18" charset="0"/>
-            </a:endParaRPr>
           </a:p>
         </p:txBody>
       </p:sp>
@@ -2400,11 +2427,6 @@
               </a:rPr>
               <a:t>Course name: GIS FUNDAMENTALS</a:t>
             </a:r>
-            <a:endParaRPr lang="en-US" sz="3600">
-              <a:latin typeface="Times New Roman" panose="02020603050405020304" pitchFamily="18" charset="0"/>
-              <a:ea typeface="Times New Roman" panose="02020603050405020304" pitchFamily="18" charset="0"/>
-              <a:cs typeface="Times New Roman" panose="02020603050405020304" pitchFamily="18" charset="0"/>
-            </a:endParaRPr>
           </a:p>
           <a:p>
             <a:pPr marL="342900" lvl="2" indent="-342900">
@@ -2423,29 +2445,8 @@
                 <a:ea typeface="Times New Roman" panose="02020603050405020304" pitchFamily="18" charset="0"/>
                 <a:cs typeface="Times New Roman" panose="02020603050405020304" pitchFamily="18" charset="0"/>
               </a:rPr>
-              <a:t>Length: </a:t>
-            </a:r>
-            <a:r>
-              <a:rPr lang="en-US" sz="3600" smtClean="0">
-                <a:latin typeface="Times New Roman" panose="02020603050405020304" pitchFamily="18" charset="0"/>
-                <a:ea typeface="Times New Roman" panose="02020603050405020304" pitchFamily="18" charset="0"/>
-                <a:cs typeface="Times New Roman" panose="02020603050405020304" pitchFamily="18" charset="0"/>
-              </a:rPr>
-              <a:t>5 </a:t>
-            </a:r>
-            <a:r>
-              <a:rPr lang="en-US" sz="3600">
-                <a:latin typeface="Times New Roman" panose="02020603050405020304" pitchFamily="18" charset="0"/>
-                <a:ea typeface="Times New Roman" panose="02020603050405020304" pitchFamily="18" charset="0"/>
-                <a:cs typeface="Times New Roman" panose="02020603050405020304" pitchFamily="18" charset="0"/>
-              </a:rPr>
-              <a:t>days</a:t>
-            </a:r>
-            <a:endParaRPr lang="en-US" sz="3600">
-              <a:latin typeface="Times New Roman" panose="02020603050405020304" pitchFamily="18" charset="0"/>
-              <a:ea typeface="Times New Roman" panose="02020603050405020304" pitchFamily="18" charset="0"/>
-              <a:cs typeface="Times New Roman" panose="02020603050405020304" pitchFamily="18" charset="0"/>
-            </a:endParaRPr>
+              <a:t>Length: 5 days</a:t>
+            </a:r>
           </a:p>
           <a:p>
             <a:pPr marL="342900" lvl="2" indent="-342900">
@@ -2466,11 +2467,6 @@
               </a:rPr>
               <a:t>Goal: Background of GIS, and Mastering QGIS GUI.</a:t>
             </a:r>
-            <a:endParaRPr lang="en-US" sz="3600">
-              <a:latin typeface="Times New Roman" panose="02020603050405020304" pitchFamily="18" charset="0"/>
-              <a:ea typeface="Times New Roman" panose="02020603050405020304" pitchFamily="18" charset="0"/>
-              <a:cs typeface="Times New Roman" panose="02020603050405020304" pitchFamily="18" charset="0"/>
-            </a:endParaRPr>
           </a:p>
           <a:p>
             <a:pPr marL="342900" lvl="2" indent="-342900">
@@ -2505,29 +2501,8 @@
                 <a:ea typeface="Times New Roman" panose="02020603050405020304" pitchFamily="18" charset="0"/>
                 <a:cs typeface="Times New Roman" panose="02020603050405020304" pitchFamily="18" charset="0"/>
               </a:rPr>
-              <a:t>: </a:t>
-            </a:r>
-            <a:r>
-              <a:rPr lang="en-US" sz="3600" smtClean="0">
-                <a:latin typeface="Times New Roman" panose="02020603050405020304" pitchFamily="18" charset="0"/>
-                <a:ea typeface="Times New Roman" panose="02020603050405020304" pitchFamily="18" charset="0"/>
-                <a:cs typeface="Times New Roman" panose="02020603050405020304" pitchFamily="18" charset="0"/>
-              </a:rPr>
-              <a:t>Hands-on, </a:t>
-            </a:r>
-            <a:r>
-              <a:rPr lang="en-US" sz="3600">
-                <a:latin typeface="Times New Roman" panose="02020603050405020304" pitchFamily="18" charset="0"/>
-                <a:ea typeface="Times New Roman" panose="02020603050405020304" pitchFamily="18" charset="0"/>
-                <a:cs typeface="Times New Roman" panose="02020603050405020304" pitchFamily="18" charset="0"/>
-              </a:rPr>
-              <a:t>Step by step.</a:t>
-            </a:r>
-            <a:endParaRPr lang="en-US" sz="3600">
-              <a:latin typeface="Times New Roman" panose="02020603050405020304" pitchFamily="18" charset="0"/>
-              <a:ea typeface="Times New Roman" panose="02020603050405020304" pitchFamily="18" charset="0"/>
-              <a:cs typeface="Times New Roman" panose="02020603050405020304" pitchFamily="18" charset="0"/>
-            </a:endParaRPr>
+              <a:t>: Hands-on, Step by step.</a:t>
+            </a:r>
           </a:p>
           <a:p>
             <a:pPr marL="342900" lvl="2" indent="-342900">
@@ -2548,11 +2523,6 @@
               </a:rPr>
               <a:t>Sample Data: Download from HCMGIS OpenData</a:t>
             </a:r>
-            <a:endParaRPr lang="en-US" sz="3600">
-              <a:latin typeface="Times New Roman" panose="02020603050405020304" pitchFamily="18" charset="0"/>
-              <a:ea typeface="Times New Roman" panose="02020603050405020304" pitchFamily="18" charset="0"/>
-              <a:cs typeface="Times New Roman" panose="02020603050405020304" pitchFamily="18" charset="0"/>
-            </a:endParaRPr>
           </a:p>
           <a:p>
             <a:pPr marL="342900" lvl="2" indent="-342900">
@@ -2572,10 +2542,6 @@
               </a:rPr>
               <a:t>References: </a:t>
             </a:r>
-            <a:endParaRPr lang="en-US" sz="3600">
-              <a:latin typeface="Times New Roman" panose="02020603050405020304" pitchFamily="18" charset="0"/>
-              <a:cs typeface="Times New Roman" panose="02020603050405020304" pitchFamily="18" charset="0"/>
-            </a:endParaRPr>
           </a:p>
           <a:p>
             <a:pPr marL="1028700" lvl="3" indent="-571500">
@@ -2592,21 +2558,17 @@
               <a:rPr lang="en-US" sz="3200">
                 <a:latin typeface="Times New Roman" panose="02020603050405020304" pitchFamily="18" charset="0"/>
                 <a:cs typeface="Times New Roman" panose="02020603050405020304" pitchFamily="18" charset="0"/>
-                <a:hlinkClick r:id="rId1"/>
+                <a:hlinkClick r:id="rId2"/>
               </a:rPr>
               <a:t>https://docs.qgis.org/3.22/en/docs/</a:t>
             </a:r>
             <a:r>
-              <a:rPr lang="en-US" sz="3200" smtClean="0">
+              <a:rPr lang="en-US" sz="3200">
                 <a:latin typeface="Times New Roman" panose="02020603050405020304" pitchFamily="18" charset="0"/>
                 <a:cs typeface="Times New Roman" panose="02020603050405020304" pitchFamily="18" charset="0"/>
               </a:rPr>
               <a:t>,</a:t>
             </a:r>
-            <a:endParaRPr lang="en-US" sz="3200">
-              <a:latin typeface="Times New Roman" panose="02020603050405020304" pitchFamily="18" charset="0"/>
-              <a:cs typeface="Times New Roman" panose="02020603050405020304" pitchFamily="18" charset="0"/>
-            </a:endParaRPr>
           </a:p>
           <a:p>
             <a:pPr marL="1028700" lvl="3" indent="-571500">
@@ -2623,19 +2585,11 @@
               <a:rPr lang="en-US" sz="3200">
                 <a:latin typeface="Times New Roman" panose="02020603050405020304" pitchFamily="18" charset="0"/>
                 <a:cs typeface="Times New Roman" panose="02020603050405020304" pitchFamily="18" charset="0"/>
-                <a:hlinkClick r:id="rId2"/>
+                <a:hlinkClick r:id="rId3"/>
               </a:rPr>
-              <a:t>https://docs.qgis.org/3.22/en/docs/training_manual</a:t>
-            </a:r>
-            <a:r>
-              <a:rPr lang="en-US" sz="3200" smtClean="0">
-                <a:latin typeface="Times New Roman" panose="02020603050405020304" pitchFamily="18" charset="0"/>
-                <a:cs typeface="Times New Roman" panose="02020603050405020304" pitchFamily="18" charset="0"/>
-                <a:hlinkClick r:id="rId2"/>
-              </a:rPr>
-              <a:t>/</a:t>
-            </a:r>
-            <a:endParaRPr lang="en-US" sz="3200" smtClean="0">
+              <a:t>https://docs.qgis.org/3.22/en/docs/training_manual/</a:t>
+            </a:r>
+            <a:endParaRPr lang="en-US" sz="3200">
               <a:latin typeface="Times New Roman" panose="02020603050405020304" pitchFamily="18" charset="0"/>
               <a:cs typeface="Times New Roman" panose="02020603050405020304" pitchFamily="18" charset="0"/>
             </a:endParaRPr>
@@ -2655,20 +2609,20 @@
               <a:rPr lang="en-US" sz="3200">
                 <a:latin typeface="Times New Roman" panose="02020603050405020304" pitchFamily="18" charset="0"/>
                 <a:cs typeface="Times New Roman" panose="02020603050405020304" pitchFamily="18" charset="0"/>
-                <a:hlinkClick r:id="rId3"/>
+                <a:hlinkClick r:id="rId4"/>
               </a:rPr>
               <a:t>https://docs.qgis.org/3.22/en/docs/gentle_gis_introduction</a:t>
             </a:r>
             <a:r>
               <a:rPr lang="en-US" sz="3200">
-                <a:hlinkClick r:id="rId3"/>
+                <a:hlinkClick r:id="rId4"/>
               </a:rPr>
               <a:t>/</a:t>
             </a:r>
             <a:endParaRPr lang="en-US" sz="3200" dirty="0">
               <a:latin typeface="Times New Roman" panose="02020603050405020304" pitchFamily="18" charset="0"/>
               <a:cs typeface="Times New Roman" panose="02020603050405020304" pitchFamily="18" charset="0"/>
-              <a:hlinkClick r:id="rId3"/>
+              <a:hlinkClick r:id="rId4"/>
             </a:endParaRPr>
           </a:p>
         </p:txBody>
@@ -2693,7 +2647,14 @@
         <p:cNvGrpSpPr/>
         <p:nvPr/>
       </p:nvGrpSpPr>
-      <p:grpSpPr/>
+      <p:grpSpPr>
+        <a:xfrm>
+          <a:off x="0" y="0"/>
+          <a:ext cx="0" cy="0"/>
+          <a:chOff x="0" y="0"/>
+          <a:chExt cx="0" cy="0"/>
+        </a:xfrm>
+      </p:grpSpPr>
       <p:sp>
         <p:nvSpPr>
           <p:cNvPr id="3" name="Slide Number Placeholder 2"/>
@@ -2707,12 +2668,14 @@
         <p:spPr/>
         <p:txBody>
           <a:bodyPr/>
+          <a:lstStyle/>
           <a:p>
             <a:pPr>
               <a:defRPr/>
             </a:pPr>
             <a:fld id="{35777D43-CACF-4401-B051-E29C008E35F5}" type="slidenum">
               <a:rPr lang="en-US" smtClean="0"/>
+              <a:t>3</a:t>
             </a:fld>
             <a:endParaRPr lang="en-US"/>
           </a:p>
@@ -2731,6 +2694,7 @@
         <p:spPr/>
         <p:txBody>
           <a:bodyPr/>
+          <a:lstStyle/>
           <a:p>
             <a:endParaRPr lang="en-US"/>
           </a:p>
@@ -2757,13 +2721,26 @@
                 <a:tableStyleId>{5C22544A-7EE6-4342-B048-85BDC9FD1C3A}</a:tableStyleId>
               </a:tblPr>
               <a:tblGrid>
-                <a:gridCol w="1464310"/>
-                <a:gridCol w="9625330"/>
+                <a:gridCol w="1464310">
+                  <a:extLst>
+                    <a:ext uri="{9D8B030D-6E8A-4147-A177-3AD203B41FA5}">
+                      <a16:colId xmlns:a16="http://schemas.microsoft.com/office/drawing/2014/main" val="20000"/>
+                    </a:ext>
+                  </a:extLst>
+                </a:gridCol>
+                <a:gridCol w="9625330">
+                  <a:extLst>
+                    <a:ext uri="{9D8B030D-6E8A-4147-A177-3AD203B41FA5}">
+                      <a16:colId xmlns:a16="http://schemas.microsoft.com/office/drawing/2014/main" val="20001"/>
+                    </a:ext>
+                  </a:extLst>
+                </a:gridCol>
               </a:tblGrid>
               <a:tr h="396240">
                 <a:tc>
                   <a:txBody>
                     <a:bodyPr/>
+                    <a:lstStyle/>
                     <a:p>
                       <a:r>
                         <a:rPr lang="en-US" sz="2000" dirty="0">
@@ -2772,10 +2749,6 @@
                         </a:rPr>
                         <a:t>Time</a:t>
                       </a:r>
-                      <a:endParaRPr lang="en-US" sz="2000" dirty="0">
-                        <a:latin typeface="Times New Roman" panose="02020603050405020304" pitchFamily="18" charset="0"/>
-                        <a:cs typeface="Times New Roman" panose="02020603050405020304" pitchFamily="18" charset="0"/>
-                      </a:endParaRPr>
                     </a:p>
                   </a:txBody>
                   <a:tcPr/>
@@ -2783,6 +2756,7 @@
                 <a:tc>
                   <a:txBody>
                     <a:bodyPr/>
+                    <a:lstStyle/>
                     <a:p>
                       <a:r>
                         <a:rPr lang="en-US" sz="2000" dirty="0">
@@ -2791,19 +2765,21 @@
                         </a:rPr>
                         <a:t>Contents</a:t>
                       </a:r>
-                      <a:endParaRPr lang="en-US" sz="2000" dirty="0">
-                        <a:latin typeface="Times New Roman" panose="02020603050405020304" pitchFamily="18" charset="0"/>
-                        <a:cs typeface="Times New Roman" panose="02020603050405020304" pitchFamily="18" charset="0"/>
-                      </a:endParaRPr>
                     </a:p>
                   </a:txBody>
                   <a:tcPr/>
                 </a:tc>
+                <a:extLst>
+                  <a:ext uri="{0D108BD9-81ED-4DB2-BD59-A6C34878D82A}">
+                    <a16:rowId xmlns:a16="http://schemas.microsoft.com/office/drawing/2014/main" val="10000"/>
+                  </a:ext>
+                </a:extLst>
               </a:tr>
               <a:tr h="2971800">
                 <a:tc>
                   <a:txBody>
                     <a:bodyPr/>
+                    <a:lstStyle/>
                     <a:p>
                       <a:pPr marL="0" marR="0" lvl="0" indent="0" algn="l" defTabSz="457200" rtl="0" eaLnBrk="1" fontAlgn="auto" latinLnBrk="0" hangingPunct="1">
                         <a:lnSpc>
@@ -2842,10 +2818,6 @@
                         </a:rPr>
                         <a:t> Day</a:t>
                       </a:r>
-                      <a:endParaRPr lang="en-US" sz="2100" dirty="0">
-                        <a:latin typeface="Times New Roman" panose="02020603050405020304" pitchFamily="18" charset="0"/>
-                        <a:cs typeface="Times New Roman" panose="02020603050405020304" pitchFamily="18" charset="0"/>
-                      </a:endParaRPr>
                     </a:p>
                   </a:txBody>
                   <a:tcPr/>
@@ -2853,6 +2825,7 @@
                 <a:tc>
                   <a:txBody>
                     <a:bodyPr/>
+                    <a:lstStyle/>
                     <a:p>
                       <a:pPr lvl="0" indent="0">
                         <a:buFont typeface="Arial" panose="020B0604020202020204" pitchFamily="34" charset="0"/>
@@ -2870,15 +2843,6 @@
                         </a:rPr>
                         <a:t>Unit 0: Introduction to GIS, Remote Sensing &amp; GNSS and Applications</a:t>
                       </a:r>
-                      <a:endParaRPr lang="en-US" sz="2100" b="1" kern="1200" dirty="0">
-                        <a:solidFill>
-                          <a:schemeClr val="dk1"/>
-                        </a:solidFill>
-                        <a:effectLst/>
-                        <a:latin typeface="Times New Roman" panose="02020603050405020304" pitchFamily="18" charset="0"/>
-                        <a:ea typeface="+mn-ea"/>
-                        <a:cs typeface="Times New Roman" panose="02020603050405020304" pitchFamily="18" charset="0"/>
-                      </a:endParaRPr>
                     </a:p>
                     <a:p>
                       <a:pPr lvl="0" indent="0">
@@ -2897,15 +2861,6 @@
                         </a:rPr>
                         <a:t>Unit 1: QGIS Overview</a:t>
                       </a:r>
-                      <a:endParaRPr lang="en-US" sz="2100" b="1" kern="1200" dirty="0">
-                        <a:solidFill>
-                          <a:schemeClr val="dk1"/>
-                        </a:solidFill>
-                        <a:effectLst/>
-                        <a:latin typeface="Times New Roman" panose="02020603050405020304" pitchFamily="18" charset="0"/>
-                        <a:ea typeface="+mn-ea"/>
-                        <a:cs typeface="Times New Roman" panose="02020603050405020304" pitchFamily="18" charset="0"/>
-                      </a:endParaRPr>
                     </a:p>
                     <a:p>
                       <a:pPr marL="742950" lvl="1" indent="-285750">
@@ -2924,15 +2879,6 @@
                         </a:rPr>
                         <a:t>How to download and install</a:t>
                       </a:r>
-                      <a:endParaRPr lang="en-US" sz="2100" kern="1200" dirty="0">
-                        <a:solidFill>
-                          <a:schemeClr val="dk1"/>
-                        </a:solidFill>
-                        <a:effectLst/>
-                        <a:latin typeface="Times New Roman" panose="02020603050405020304" pitchFamily="18" charset="0"/>
-                        <a:ea typeface="+mn-ea"/>
-                        <a:cs typeface="Times New Roman" panose="02020603050405020304" pitchFamily="18" charset="0"/>
-                      </a:endParaRPr>
                     </a:p>
                     <a:p>
                       <a:pPr marL="742950" lvl="1" indent="-285750">
@@ -2951,15 +2897,6 @@
                         </a:rPr>
                         <a:t>Useful Terms: Metadata, Encoding, CRS</a:t>
                       </a:r>
-                      <a:endParaRPr lang="en-US" sz="2100" kern="1200" dirty="0">
-                        <a:solidFill>
-                          <a:schemeClr val="dk1"/>
-                        </a:solidFill>
-                        <a:effectLst/>
-                        <a:latin typeface="Times New Roman" panose="02020603050405020304" pitchFamily="18" charset="0"/>
-                        <a:ea typeface="+mn-ea"/>
-                        <a:cs typeface="Times New Roman" panose="02020603050405020304" pitchFamily="18" charset="0"/>
-                      </a:endParaRPr>
                     </a:p>
                     <a:p>
                       <a:pPr marL="742950" lvl="1" indent="-285750">
@@ -2978,15 +2915,6 @@
                         </a:rPr>
                         <a:t>Understanding QGIS Project, how to install and use Plugins</a:t>
                       </a:r>
-                      <a:endParaRPr lang="en-US" sz="2100" kern="1200" dirty="0">
-                        <a:solidFill>
-                          <a:schemeClr val="dk1"/>
-                        </a:solidFill>
-                        <a:effectLst/>
-                        <a:latin typeface="Times New Roman" panose="02020603050405020304" pitchFamily="18" charset="0"/>
-                        <a:ea typeface="+mn-ea"/>
-                        <a:cs typeface="Times New Roman" panose="02020603050405020304" pitchFamily="18" charset="0"/>
-                      </a:endParaRPr>
                     </a:p>
                     <a:p>
                       <a:pPr marL="742950" lvl="1" indent="-285750">
@@ -3005,15 +2933,6 @@
                         </a:rPr>
                         <a:t>Overview of the interface: Menu, Layers list, Browser Panel, Drag and drop, Toolbars, Map Canvas, Status Bar</a:t>
                       </a:r>
-                      <a:endParaRPr lang="en-US" sz="2100" kern="1200" dirty="0">
-                        <a:solidFill>
-                          <a:schemeClr val="dk1"/>
-                        </a:solidFill>
-                        <a:effectLst/>
-                        <a:latin typeface="Times New Roman" panose="02020603050405020304" pitchFamily="18" charset="0"/>
-                        <a:ea typeface="+mn-ea"/>
-                        <a:cs typeface="Times New Roman" panose="02020603050405020304" pitchFamily="18" charset="0"/>
-                      </a:endParaRPr>
                     </a:p>
                     <a:p>
                       <a:pPr marL="742950" lvl="1" indent="-285750">
@@ -3064,11 +2983,17 @@
                   </a:txBody>
                   <a:tcPr/>
                 </a:tc>
+                <a:extLst>
+                  <a:ext uri="{0D108BD9-81ED-4DB2-BD59-A6C34878D82A}">
+                    <a16:rowId xmlns:a16="http://schemas.microsoft.com/office/drawing/2014/main" val="10001"/>
+                  </a:ext>
+                </a:extLst>
               </a:tr>
               <a:tr h="2695575">
                 <a:tc>
                   <a:txBody>
                     <a:bodyPr/>
+                    <a:lstStyle/>
                     <a:p>
                       <a:r>
                         <a:rPr lang="en-US" sz="2100" dirty="0">
@@ -3091,10 +3016,6 @@
                         </a:rPr>
                         <a:t> Day</a:t>
                       </a:r>
-                      <a:endParaRPr lang="en-US" sz="2100" dirty="0">
-                        <a:latin typeface="Times New Roman" panose="02020603050405020304" pitchFamily="18" charset="0"/>
-                        <a:cs typeface="Times New Roman" panose="02020603050405020304" pitchFamily="18" charset="0"/>
-                      </a:endParaRPr>
                     </a:p>
                   </a:txBody>
                   <a:tcPr/>
@@ -3102,6 +3023,7 @@
                 <a:tc>
                   <a:txBody>
                     <a:bodyPr/>
+                    <a:lstStyle/>
                     <a:p>
                       <a:pPr lvl="0" algn="l">
                         <a:buClrTx/>
@@ -3143,15 +3065,6 @@
                         </a:rPr>
                         <a:t>File and data types</a:t>
                       </a:r>
-                      <a:endParaRPr lang="en-US" sz="2100" kern="1200" dirty="0">
-                        <a:solidFill>
-                          <a:schemeClr val="dk1"/>
-                        </a:solidFill>
-                        <a:effectLst/>
-                        <a:latin typeface="Times New Roman" panose="02020603050405020304" pitchFamily="18" charset="0"/>
-                        <a:ea typeface="+mn-ea"/>
-                        <a:cs typeface="Times New Roman" panose="02020603050405020304" pitchFamily="18" charset="0"/>
-                      </a:endParaRPr>
                     </a:p>
                     <a:p>
                       <a:pPr marL="285750" lvl="0" indent="-285750" algn="l">
@@ -3172,15 +3085,6 @@
                         </a:rPr>
                         <a:t>Loading Data: Add tool, QGIS Browser, reordering layers</a:t>
                       </a:r>
-                      <a:endParaRPr lang="en-US" sz="2100" kern="1200" dirty="0">
-                        <a:solidFill>
-                          <a:schemeClr val="dk1"/>
-                        </a:solidFill>
-                        <a:effectLst/>
-                        <a:latin typeface="Times New Roman" panose="02020603050405020304" pitchFamily="18" charset="0"/>
-                        <a:ea typeface="+mn-ea"/>
-                        <a:cs typeface="Times New Roman" panose="02020603050405020304" pitchFamily="18" charset="0"/>
-                      </a:endParaRPr>
                     </a:p>
                     <a:p>
                       <a:pPr marL="285750" lvl="0" indent="-285750">
@@ -3199,15 +3103,6 @@
                         </a:rPr>
                         <a:t>Layer Properties: Symbology (Single Symbol, Categorized Symbol), Label</a:t>
                       </a:r>
-                      <a:endParaRPr lang="en-US" sz="2100" kern="1200" dirty="0">
-                        <a:solidFill>
-                          <a:schemeClr val="dk1"/>
-                        </a:solidFill>
-                        <a:effectLst/>
-                        <a:latin typeface="Times New Roman" panose="02020603050405020304" pitchFamily="18" charset="0"/>
-                        <a:ea typeface="+mn-ea"/>
-                        <a:cs typeface="Times New Roman" panose="02020603050405020304" pitchFamily="18" charset="0"/>
-                      </a:endParaRPr>
                     </a:p>
                     <a:p>
                       <a:pPr marL="285750" lvl="0" indent="-285750">
@@ -3226,15 +3121,6 @@
                         </a:rPr>
                         <a:t>Working with Layer Attribute: view/ sort attribute, select feature by expressions, add/ remove fields, calculate field </a:t>
                       </a:r>
-                      <a:endParaRPr lang="en-US" sz="2100" kern="1200" dirty="0">
-                        <a:solidFill>
-                          <a:schemeClr val="dk1"/>
-                        </a:solidFill>
-                        <a:effectLst/>
-                        <a:latin typeface="Times New Roman" panose="02020603050405020304" pitchFamily="18" charset="0"/>
-                        <a:ea typeface="+mn-ea"/>
-                        <a:cs typeface="Times New Roman" panose="02020603050405020304" pitchFamily="18" charset="0"/>
-                      </a:endParaRPr>
                     </a:p>
                     <a:p>
                       <a:pPr marL="285750" lvl="0" indent="-285750">
@@ -3253,15 +3139,6 @@
                         </a:rPr>
                         <a:t>Adding data from AutoCAD, MicroStation Files</a:t>
                       </a:r>
-                      <a:endParaRPr lang="en-US" sz="2100" kern="1200" dirty="0">
-                        <a:solidFill>
-                          <a:schemeClr val="dk1"/>
-                        </a:solidFill>
-                        <a:effectLst/>
-                        <a:latin typeface="Times New Roman" panose="02020603050405020304" pitchFamily="18" charset="0"/>
-                        <a:ea typeface="+mn-ea"/>
-                        <a:cs typeface="Times New Roman" panose="02020603050405020304" pitchFamily="18" charset="0"/>
-                      </a:endParaRPr>
                     </a:p>
                     <a:p>
                       <a:pPr marL="285750" lvl="0" indent="-285750">
@@ -3288,6 +3165,11 @@
                   </a:txBody>
                   <a:tcPr/>
                 </a:tc>
+                <a:extLst>
+                  <a:ext uri="{0D108BD9-81ED-4DB2-BD59-A6C34878D82A}">
+                    <a16:rowId xmlns:a16="http://schemas.microsoft.com/office/drawing/2014/main" val="10002"/>
+                  </a:ext>
+                </a:extLst>
               </a:tr>
             </a:tbl>
           </a:graphicData>
@@ -3432,7 +3314,14 @@
         <p:cNvGrpSpPr/>
         <p:nvPr/>
       </p:nvGrpSpPr>
-      <p:grpSpPr/>
+      <p:grpSpPr>
+        <a:xfrm>
+          <a:off x="0" y="0"/>
+          <a:ext cx="0" cy="0"/>
+          <a:chOff x="0" y="0"/>
+          <a:chExt cx="0" cy="0"/>
+        </a:xfrm>
+      </p:grpSpPr>
       <p:sp>
         <p:nvSpPr>
           <p:cNvPr id="3" name="Slide Number Placeholder 2"/>
@@ -3446,12 +3335,14 @@
         <p:spPr/>
         <p:txBody>
           <a:bodyPr/>
+          <a:lstStyle/>
           <a:p>
             <a:pPr>
               <a:defRPr/>
             </a:pPr>
             <a:fld id="{35777D43-CACF-4401-B051-E29C008E35F5}" type="slidenum">
               <a:rPr lang="en-US" smtClean="0"/>
+              <a:t>4</a:t>
             </a:fld>
             <a:endParaRPr lang="en-US"/>
           </a:p>
@@ -3470,6 +3361,7 @@
         <p:spPr/>
         <p:txBody>
           <a:bodyPr/>
+          <a:lstStyle/>
           <a:p>
             <a:endParaRPr lang="en-US"/>
           </a:p>
@@ -3606,7 +3498,7 @@
         </p:nvGraphicFramePr>
         <p:xfrm>
           <a:off x="762000" y="694690"/>
-          <a:ext cx="11089640" cy="6176645"/>
+          <a:ext cx="11089640" cy="4744085"/>
         </p:xfrm>
         <a:graphic>
           <a:graphicData uri="http://schemas.openxmlformats.org/drawingml/2006/table">
@@ -3615,13 +3507,26 @@
                 <a:tableStyleId>{5C22544A-7EE6-4342-B048-85BDC9FD1C3A}</a:tableStyleId>
               </a:tblPr>
               <a:tblGrid>
-                <a:gridCol w="1464945"/>
-                <a:gridCol w="9624695"/>
+                <a:gridCol w="1464945">
+                  <a:extLst>
+                    <a:ext uri="{9D8B030D-6E8A-4147-A177-3AD203B41FA5}">
+                      <a16:colId xmlns:a16="http://schemas.microsoft.com/office/drawing/2014/main" val="20000"/>
+                    </a:ext>
+                  </a:extLst>
+                </a:gridCol>
+                <a:gridCol w="9624695">
+                  <a:extLst>
+                    <a:ext uri="{9D8B030D-6E8A-4147-A177-3AD203B41FA5}">
+                      <a16:colId xmlns:a16="http://schemas.microsoft.com/office/drawing/2014/main" val="20001"/>
+                    </a:ext>
+                  </a:extLst>
+                </a:gridCol>
               </a:tblGrid>
               <a:tr h="537845">
                 <a:tc>
                   <a:txBody>
                     <a:bodyPr/>
+                    <a:lstStyle/>
                     <a:p>
                       <a:r>
                         <a:rPr lang="en-US" sz="2200" dirty="0">
@@ -3630,10 +3535,6 @@
                         </a:rPr>
                         <a:t>Time</a:t>
                       </a:r>
-                      <a:endParaRPr lang="en-US" sz="2200" dirty="0">
-                        <a:latin typeface="Times New Roman" panose="02020603050405020304" pitchFamily="18" charset="0"/>
-                        <a:cs typeface="Times New Roman" panose="02020603050405020304" pitchFamily="18" charset="0"/>
-                      </a:endParaRPr>
                     </a:p>
                   </a:txBody>
                   <a:tcPr/>
@@ -3641,6 +3542,7 @@
                 <a:tc>
                   <a:txBody>
                     <a:bodyPr/>
+                    <a:lstStyle/>
                     <a:p>
                       <a:r>
                         <a:rPr lang="en-US" sz="2200" dirty="0">
@@ -3649,19 +3551,21 @@
                         </a:rPr>
                         <a:t>Contents</a:t>
                       </a:r>
-                      <a:endParaRPr lang="en-US" sz="2200" dirty="0">
-                        <a:latin typeface="Times New Roman" panose="02020603050405020304" pitchFamily="18" charset="0"/>
-                        <a:cs typeface="Times New Roman" panose="02020603050405020304" pitchFamily="18" charset="0"/>
-                      </a:endParaRPr>
                     </a:p>
                   </a:txBody>
                   <a:tcPr/>
                 </a:tc>
+                <a:extLst>
+                  <a:ext uri="{0D108BD9-81ED-4DB2-BD59-A6C34878D82A}">
+                    <a16:rowId xmlns:a16="http://schemas.microsoft.com/office/drawing/2014/main" val="10000"/>
+                  </a:ext>
+                </a:extLst>
               </a:tr>
               <a:tr h="2438400">
                 <a:tc>
                   <a:txBody>
                     <a:bodyPr/>
+                    <a:lstStyle/>
                     <a:p>
                       <a:r>
                         <a:rPr lang="en-US" sz="2200" dirty="0">
@@ -3684,10 +3588,6 @@
                         </a:rPr>
                         <a:t> Day</a:t>
                       </a:r>
-                      <a:endParaRPr lang="en-US" sz="2200" dirty="0">
-                        <a:latin typeface="Times New Roman" panose="02020603050405020304" pitchFamily="18" charset="0"/>
-                        <a:cs typeface="Times New Roman" panose="02020603050405020304" pitchFamily="18" charset="0"/>
-                      </a:endParaRPr>
                     </a:p>
                   </a:txBody>
                   <a:tcPr/>
@@ -3695,6 +3595,7 @@
                 <a:tc>
                   <a:txBody>
                     <a:bodyPr/>
+                    <a:lstStyle/>
                     <a:p>
                       <a:pPr lvl="0" indent="0">
                         <a:buFont typeface="Arial" panose="020B0604020202020204" pitchFamily="34" charset="0"/>
@@ -3736,15 +3637,6 @@
                         </a:rPr>
                         <a:t>Useful terms: Geoid, Ellipsoid, Datum, EPSG…</a:t>
                       </a:r>
-                      <a:endParaRPr lang="en-US" sz="2200" kern="1200" dirty="0">
-                        <a:solidFill>
-                          <a:schemeClr val="dk1"/>
-                        </a:solidFill>
-                        <a:effectLst/>
-                        <a:latin typeface="Times New Roman" panose="02020603050405020304" pitchFamily="18" charset="0"/>
-                        <a:ea typeface="+mn-ea"/>
-                        <a:cs typeface="Times New Roman" panose="02020603050405020304" pitchFamily="18" charset="0"/>
-                      </a:endParaRPr>
                     </a:p>
                     <a:p>
                       <a:pPr marL="742950" lvl="1" indent="-285750">
@@ -3763,15 +3655,6 @@
                         </a:rPr>
                         <a:t>Coordinate systems: Geographic Coordinate system, Projected Coordinate system</a:t>
                       </a:r>
-                      <a:endParaRPr lang="en-US" sz="2200" kern="1200" dirty="0">
-                        <a:solidFill>
-                          <a:schemeClr val="dk1"/>
-                        </a:solidFill>
-                        <a:effectLst/>
-                        <a:latin typeface="Times New Roman" panose="02020603050405020304" pitchFamily="18" charset="0"/>
-                        <a:ea typeface="+mn-ea"/>
-                        <a:cs typeface="Times New Roman" panose="02020603050405020304" pitchFamily="18" charset="0"/>
-                      </a:endParaRPr>
                     </a:p>
                     <a:p>
                       <a:pPr marL="742950" lvl="1" indent="-285750">
@@ -3815,15 +3698,6 @@
                         </a:rPr>
                         <a:t> WGS84 CRS transfer</a:t>
                       </a:r>
-                      <a:endParaRPr lang="en-US" sz="2200" kern="1200" dirty="0">
-                        <a:solidFill>
-                          <a:schemeClr val="dk1"/>
-                        </a:solidFill>
-                        <a:effectLst/>
-                        <a:latin typeface="Times New Roman" panose="02020603050405020304" pitchFamily="18" charset="0"/>
-                        <a:ea typeface="+mn-ea"/>
-                        <a:cs typeface="Times New Roman" panose="02020603050405020304" pitchFamily="18" charset="0"/>
-                      </a:endParaRPr>
                     </a:p>
                     <a:p>
                       <a:pPr marL="742950" lvl="1" indent="-285750" algn="l">
@@ -3884,11 +3758,17 @@
                   </a:txBody>
                   <a:tcPr/>
                 </a:tc>
+                <a:extLst>
+                  <a:ext uri="{0D108BD9-81ED-4DB2-BD59-A6C34878D82A}">
+                    <a16:rowId xmlns:a16="http://schemas.microsoft.com/office/drawing/2014/main" val="10001"/>
+                  </a:ext>
+                </a:extLst>
               </a:tr>
               <a:tr h="1767840">
                 <a:tc>
                   <a:txBody>
                     <a:bodyPr/>
+                    <a:lstStyle/>
                     <a:p>
                       <a:r>
                         <a:rPr lang="en-US" sz="2200" dirty="0">
@@ -3911,10 +3791,6 @@
                         </a:rPr>
                         <a:t> Day</a:t>
                       </a:r>
-                      <a:endParaRPr lang="en-US" sz="2200" dirty="0">
-                        <a:latin typeface="Times New Roman" panose="02020603050405020304" pitchFamily="18" charset="0"/>
-                        <a:cs typeface="Times New Roman" panose="02020603050405020304" pitchFamily="18" charset="0"/>
-                      </a:endParaRPr>
                     </a:p>
                   </a:txBody>
                   <a:tcPr/>
@@ -3922,6 +3798,7 @@
                 <a:tc>
                   <a:txBody>
                     <a:bodyPr/>
+                    <a:lstStyle/>
                     <a:p>
                       <a:pPr lvl="0" algn="l">
                         <a:buClrTx/>
@@ -3967,15 +3844,6 @@
                         </a:rPr>
                         <a:t>Processing tools in Vector menu, Processing Toolbox</a:t>
                       </a:r>
-                      <a:endParaRPr lang="en-US" sz="2200" kern="1200" dirty="0">
-                        <a:solidFill>
-                          <a:schemeClr val="dk1"/>
-                        </a:solidFill>
-                        <a:effectLst/>
-                        <a:latin typeface="Times New Roman" panose="02020603050405020304" pitchFamily="18" charset="0"/>
-                        <a:ea typeface="+mn-ea"/>
-                        <a:cs typeface="Times New Roman" panose="02020603050405020304" pitchFamily="18" charset="0"/>
-                      </a:endParaRPr>
                     </a:p>
                     <a:p>
                       <a:pPr marL="742950" lvl="1" indent="-285750" algn="l">
@@ -3996,15 +3864,6 @@
                         </a:rPr>
                         <a:t>Attribute join, Spatial Join</a:t>
                       </a:r>
-                      <a:endParaRPr lang="en-US" sz="2200" kern="1200" dirty="0">
-                        <a:solidFill>
-                          <a:schemeClr val="dk1"/>
-                        </a:solidFill>
-                        <a:effectLst/>
-                        <a:latin typeface="Times New Roman" panose="02020603050405020304" pitchFamily="18" charset="0"/>
-                        <a:ea typeface="+mn-ea"/>
-                        <a:cs typeface="Times New Roman" panose="02020603050405020304" pitchFamily="18" charset="0"/>
-                      </a:endParaRPr>
                     </a:p>
                     <a:p>
                       <a:pPr marL="742950" lvl="1" indent="-285750" algn="l">
@@ -4025,15 +3884,6 @@
                         </a:rPr>
                         <a:t>Check validity, fix geometries</a:t>
                       </a:r>
-                      <a:endParaRPr lang="en-US" sz="2200" kern="1200" dirty="0">
-                        <a:solidFill>
-                          <a:schemeClr val="dk1"/>
-                        </a:solidFill>
-                        <a:effectLst/>
-                        <a:latin typeface="Times New Roman" panose="02020603050405020304" pitchFamily="18" charset="0"/>
-                        <a:ea typeface="+mn-ea"/>
-                        <a:cs typeface="Times New Roman" panose="02020603050405020304" pitchFamily="18" charset="0"/>
-                      </a:endParaRPr>
                     </a:p>
                     <a:p>
                       <a:pPr marL="742950" lvl="1" indent="-285750" algn="l">
@@ -4054,19 +3904,15 @@
                         </a:rPr>
                         <a:t>Clip, intersection, union</a:t>
                       </a:r>
-                      <a:endParaRPr lang="en-US" sz="2200" kern="1200" dirty="0">
-                        <a:solidFill>
-                          <a:schemeClr val="dk1"/>
-                        </a:solidFill>
-                        <a:effectLst/>
-                        <a:latin typeface="Times New Roman" panose="02020603050405020304" pitchFamily="18" charset="0"/>
-                        <a:ea typeface="+mn-ea"/>
-                        <a:cs typeface="Times New Roman" panose="02020603050405020304" pitchFamily="18" charset="0"/>
-                      </a:endParaRPr>
                     </a:p>
                   </a:txBody>
                   <a:tcPr/>
                 </a:tc>
+                <a:extLst>
+                  <a:ext uri="{0D108BD9-81ED-4DB2-BD59-A6C34878D82A}">
+                    <a16:rowId xmlns:a16="http://schemas.microsoft.com/office/drawing/2014/main" val="10002"/>
+                  </a:ext>
+                </a:extLst>
               </a:tr>
             </a:tbl>
           </a:graphicData>
@@ -4092,7 +3938,14 @@
         <p:cNvGrpSpPr/>
         <p:nvPr/>
       </p:nvGrpSpPr>
-      <p:grpSpPr/>
+      <p:grpSpPr>
+        <a:xfrm>
+          <a:off x="0" y="0"/>
+          <a:ext cx="0" cy="0"/>
+          <a:chOff x="0" y="0"/>
+          <a:chExt cx="0" cy="0"/>
+        </a:xfrm>
+      </p:grpSpPr>
       <p:sp>
         <p:nvSpPr>
           <p:cNvPr id="3" name="Slide Number Placeholder 2"/>
@@ -4106,12 +3959,14 @@
         <p:spPr/>
         <p:txBody>
           <a:bodyPr/>
+          <a:lstStyle/>
           <a:p>
             <a:pPr>
               <a:defRPr/>
             </a:pPr>
             <a:fld id="{35777D43-CACF-4401-B051-E29C008E35F5}" type="slidenum">
               <a:rPr lang="en-US" smtClean="0"/>
+              <a:t>5</a:t>
             </a:fld>
             <a:endParaRPr lang="en-US"/>
           </a:p>
@@ -4130,6 +3985,7 @@
         <p:spPr/>
         <p:txBody>
           <a:bodyPr/>
+          <a:lstStyle/>
           <a:p>
             <a:endParaRPr lang="en-US"/>
           </a:p>
@@ -4275,13 +4131,26 @@
                 <a:tableStyleId>{5C22544A-7EE6-4342-B048-85BDC9FD1C3A}</a:tableStyleId>
               </a:tblPr>
               <a:tblGrid>
-                <a:gridCol w="1464945"/>
-                <a:gridCol w="9624695"/>
+                <a:gridCol w="1464945">
+                  <a:extLst>
+                    <a:ext uri="{9D8B030D-6E8A-4147-A177-3AD203B41FA5}">
+                      <a16:colId xmlns:a16="http://schemas.microsoft.com/office/drawing/2014/main" val="20000"/>
+                    </a:ext>
+                  </a:extLst>
+                </a:gridCol>
+                <a:gridCol w="9624695">
+                  <a:extLst>
+                    <a:ext uri="{9D8B030D-6E8A-4147-A177-3AD203B41FA5}">
+                      <a16:colId xmlns:a16="http://schemas.microsoft.com/office/drawing/2014/main" val="20001"/>
+                    </a:ext>
+                  </a:extLst>
+                </a:gridCol>
               </a:tblGrid>
               <a:tr h="537845">
                 <a:tc>
                   <a:txBody>
                     <a:bodyPr/>
+                    <a:lstStyle/>
                     <a:p>
                       <a:r>
                         <a:rPr lang="en-US" sz="2200" dirty="0">
@@ -4290,10 +4159,6 @@
                         </a:rPr>
                         <a:t>Time</a:t>
                       </a:r>
-                      <a:endParaRPr lang="en-US" sz="2200" dirty="0">
-                        <a:latin typeface="Times New Roman" panose="02020603050405020304" pitchFamily="18" charset="0"/>
-                        <a:cs typeface="Times New Roman" panose="02020603050405020304" pitchFamily="18" charset="0"/>
-                      </a:endParaRPr>
                     </a:p>
                   </a:txBody>
                   <a:tcPr/>
@@ -4301,6 +4166,7 @@
                 <a:tc>
                   <a:txBody>
                     <a:bodyPr/>
+                    <a:lstStyle/>
                     <a:p>
                       <a:r>
                         <a:rPr lang="en-US" sz="2200" dirty="0">
@@ -4309,19 +4175,21 @@
                         </a:rPr>
                         <a:t>Contents</a:t>
                       </a:r>
-                      <a:endParaRPr lang="en-US" sz="2200" dirty="0">
-                        <a:latin typeface="Times New Roman" panose="02020603050405020304" pitchFamily="18" charset="0"/>
-                        <a:cs typeface="Times New Roman" panose="02020603050405020304" pitchFamily="18" charset="0"/>
-                      </a:endParaRPr>
                     </a:p>
                   </a:txBody>
                   <a:tcPr/>
                 </a:tc>
+                <a:extLst>
+                  <a:ext uri="{0D108BD9-81ED-4DB2-BD59-A6C34878D82A}">
+                    <a16:rowId xmlns:a16="http://schemas.microsoft.com/office/drawing/2014/main" val="10000"/>
+                  </a:ext>
+                </a:extLst>
               </a:tr>
               <a:tr h="1432560">
                 <a:tc>
                   <a:txBody>
                     <a:bodyPr/>
+                    <a:lstStyle/>
                     <a:p>
                       <a:r>
                         <a:rPr lang="en-US" sz="2200" dirty="0">
@@ -4344,10 +4212,6 @@
                         </a:rPr>
                         <a:t> Day</a:t>
                       </a:r>
-                      <a:endParaRPr lang="en-US" sz="2200" dirty="0">
-                        <a:latin typeface="Times New Roman" panose="02020603050405020304" pitchFamily="18" charset="0"/>
-                        <a:cs typeface="Times New Roman" panose="02020603050405020304" pitchFamily="18" charset="0"/>
-                      </a:endParaRPr>
                     </a:p>
                   </a:txBody>
                   <a:tcPr/>
@@ -4355,6 +4219,7 @@
                 <a:tc>
                   <a:txBody>
                     <a:bodyPr/>
+                    <a:lstStyle/>
                     <a:p>
                       <a:pPr lvl="0" algn="l">
                         <a:buClrTx/>
@@ -4400,15 +4265,6 @@
                         </a:rPr>
                         <a:t>Editing Mode, Add new feature, Edit Feature.</a:t>
                       </a:r>
-                      <a:endParaRPr lang="en-US" sz="2200" kern="1200" dirty="0">
-                        <a:solidFill>
-                          <a:schemeClr val="dk1"/>
-                        </a:solidFill>
-                        <a:effectLst/>
-                        <a:latin typeface="Times New Roman" panose="02020603050405020304" pitchFamily="18" charset="0"/>
-                        <a:ea typeface="+mn-ea"/>
-                        <a:cs typeface="Times New Roman" panose="02020603050405020304" pitchFamily="18" charset="0"/>
-                      </a:endParaRPr>
                     </a:p>
                     <a:p>
                       <a:pPr marL="742950" lvl="1" indent="-285750" algn="l">
@@ -4429,15 +4285,6 @@
                         </a:rPr>
                         <a:t>Compose a print layout</a:t>
                       </a:r>
-                      <a:endParaRPr lang="en-US" sz="2200" kern="1200" dirty="0">
-                        <a:solidFill>
-                          <a:schemeClr val="dk1"/>
-                        </a:solidFill>
-                        <a:effectLst/>
-                        <a:latin typeface="Times New Roman" panose="02020603050405020304" pitchFamily="18" charset="0"/>
-                        <a:ea typeface="+mn-ea"/>
-                        <a:cs typeface="Times New Roman" panose="02020603050405020304" pitchFamily="18" charset="0"/>
-                      </a:endParaRPr>
                     </a:p>
                     <a:p>
                       <a:pPr marL="742950" lvl="1" indent="-285750" algn="l">
@@ -4458,24 +4305,21 @@
                         </a:rPr>
                         <a:t>Course review</a:t>
                       </a:r>
-                      <a:endParaRPr lang="en-US" sz="2200" kern="1200" dirty="0">
-                        <a:solidFill>
-                          <a:schemeClr val="dk1"/>
-                        </a:solidFill>
-                        <a:effectLst/>
-                        <a:latin typeface="Times New Roman" panose="02020603050405020304" pitchFamily="18" charset="0"/>
-                        <a:ea typeface="+mn-ea"/>
-                        <a:cs typeface="Times New Roman" panose="02020603050405020304" pitchFamily="18" charset="0"/>
-                      </a:endParaRPr>
                     </a:p>
                   </a:txBody>
                   <a:tcPr/>
                 </a:tc>
+                <a:extLst>
+                  <a:ext uri="{0D108BD9-81ED-4DB2-BD59-A6C34878D82A}">
+                    <a16:rowId xmlns:a16="http://schemas.microsoft.com/office/drawing/2014/main" val="10001"/>
+                  </a:ext>
+                </a:extLst>
               </a:tr>
               <a:tr h="1432560">
                 <a:tc>
                   <a:txBody>
                     <a:bodyPr/>
+                    <a:lstStyle/>
                     <a:p>
                       <a:pPr>
                         <a:buNone/>
@@ -4491,6 +4335,7 @@
                 <a:tc>
                   <a:txBody>
                     <a:bodyPr/>
+                    <a:lstStyle/>
                     <a:p>
                       <a:pPr lvl="0" algn="l">
                         <a:buClrTx/>
@@ -4520,6 +4365,11 @@
                   </a:txBody>
                   <a:tcPr/>
                 </a:tc>
+                <a:extLst>
+                  <a:ext uri="{0D108BD9-81ED-4DB2-BD59-A6C34878D82A}">
+                    <a16:rowId xmlns:a16="http://schemas.microsoft.com/office/drawing/2014/main" val="10002"/>
+                  </a:ext>
+                </a:extLst>
               </a:tr>
             </a:tbl>
           </a:graphicData>
@@ -4578,6 +4428,7 @@
             </a:pPr>
             <a:fld id="{F6FC9C8E-0622-48DE-805E-8149CB419E80}" type="slidenum">
               <a:rPr lang="en-US"/>
+              <a:t>6</a:t>
             </a:fld>
             <a:endParaRPr lang="en-US"/>
           </a:p>
@@ -4592,7 +4443,7 @@
         <p:spPr>
           <a:xfrm>
             <a:off x="685800" y="706777"/>
-            <a:ext cx="11201400" cy="5862320"/>
+            <a:ext cx="11201400" cy="6571030"/>
           </a:xfrm>
           <a:prstGeom prst="rect">
             <a:avLst/>
@@ -4628,15 +4479,7 @@
                 <a:ea typeface="Times New Roman" panose="02020603050405020304" pitchFamily="18" charset="0"/>
                 <a:cs typeface="Times New Roman" panose="02020603050405020304" pitchFamily="18" charset="0"/>
               </a:rPr>
-              <a:t> </a:t>
-            </a:r>
-            <a:r>
-              <a:rPr lang="en-US" sz="2200" dirty="0">
-                <a:latin typeface="Times New Roman" panose="02020603050405020304" pitchFamily="18" charset="0"/>
-                <a:ea typeface="Times New Roman" panose="02020603050405020304" pitchFamily="18" charset="0"/>
-                <a:cs typeface="Times New Roman" panose="02020603050405020304" pitchFamily="18" charset="0"/>
-              </a:rPr>
-              <a:t>Quach Dong Thang</a:t>
+              <a:t> Quach Dong Thang</a:t>
             </a:r>
             <a:r>
               <a:rPr lang="en-US" sz="2200" b="1" dirty="0">
@@ -4651,7 +4494,7 @@
                 <a:latin typeface="Times New Roman" panose="02020603050405020304" pitchFamily="18" charset="0"/>
                 <a:ea typeface="Times New Roman" panose="02020603050405020304" pitchFamily="18" charset="0"/>
                 <a:cs typeface="Times New Roman" panose="02020603050405020304" pitchFamily="18" charset="0"/>
-                <a:hlinkClick r:id="rId1"/>
+                <a:hlinkClick r:id="rId2"/>
               </a:rPr>
               <a:t>quachdongthang@gmail.com</a:t>
             </a:r>
@@ -4663,11 +4506,6 @@
               </a:rPr>
               <a:t>, 0933908919</a:t>
             </a:r>
-            <a:endParaRPr lang="en-US" sz="2200" b="1" dirty="0">
-              <a:latin typeface="Times New Roman" panose="02020603050405020304" pitchFamily="18" charset="0"/>
-              <a:ea typeface="Times New Roman" panose="02020603050405020304" pitchFamily="18" charset="0"/>
-              <a:cs typeface="Times New Roman" panose="02020603050405020304" pitchFamily="18" charset="0"/>
-            </a:endParaRPr>
           </a:p>
           <a:p>
             <a:pPr marL="342900" indent="-342900" algn="just">
@@ -4681,16 +4519,12 @@
               </a:tabLst>
             </a:pPr>
             <a:r>
-              <a:rPr lang="en-US" sz="2200" b="1" dirty="0">
+              <a:rPr lang="en-US" sz="2000" b="1" dirty="0">
                 <a:latin typeface="Times New Roman" panose="02020603050405020304" pitchFamily="18" charset="0"/>
                 <a:cs typeface="Times New Roman" panose="02020603050405020304" pitchFamily="18" charset="0"/>
               </a:rPr>
               <a:t>Education:</a:t>
             </a:r>
-            <a:endParaRPr lang="en-US" sz="2200" b="1" dirty="0">
-              <a:latin typeface="Times New Roman" panose="02020603050405020304" pitchFamily="18" charset="0"/>
-              <a:cs typeface="Times New Roman" panose="02020603050405020304" pitchFamily="18" charset="0"/>
-            </a:endParaRPr>
           </a:p>
           <a:p>
             <a:pPr marL="800100" lvl="1" indent="-342900" algn="just">
@@ -4704,25 +4538,20 @@
               </a:tabLst>
             </a:pPr>
             <a:r>
-              <a:rPr lang="en-US" sz="2200" dirty="0">
+              <a:rPr lang="en-US" sz="2000" dirty="0">
                 <a:latin typeface="Times New Roman" panose="02020603050405020304" pitchFamily="18" charset="0"/>
                 <a:cs typeface="Times New Roman" panose="02020603050405020304" pitchFamily="18" charset="0"/>
               </a:rPr>
               <a:t>2008: </a:t>
             </a:r>
             <a:r>
-              <a:rPr lang="en-US" sz="2200" dirty="0">
+              <a:rPr lang="en-US" sz="2000" dirty="0">
                 <a:latin typeface="Times New Roman" panose="02020603050405020304" pitchFamily="18" charset="0"/>
                 <a:ea typeface="Times New Roman" panose="02020603050405020304" pitchFamily="18" charset="0"/>
                 <a:cs typeface="Times New Roman" panose="02020603050405020304" pitchFamily="18" charset="0"/>
               </a:rPr>
               <a:t>Master of Science in Cartography, Remote Sensing and Geographic Information System (GIS), HCMC University of Technology.</a:t>
             </a:r>
-            <a:endParaRPr lang="en-US" sz="2200" dirty="0">
-              <a:latin typeface="Times New Roman" panose="02020603050405020304" pitchFamily="18" charset="0"/>
-              <a:ea typeface="Times New Roman" panose="02020603050405020304" pitchFamily="18" charset="0"/>
-              <a:cs typeface="Times New Roman" panose="02020603050405020304" pitchFamily="18" charset="0"/>
-            </a:endParaRPr>
           </a:p>
           <a:p>
             <a:pPr marL="800100" lvl="1" indent="-342900" algn="just">
@@ -4736,16 +4565,31 @@
               </a:tabLst>
             </a:pPr>
             <a:r>
-              <a:rPr lang="en-US" sz="2200" dirty="0">
+              <a:rPr lang="en-US" sz="2000" dirty="0">
                 <a:latin typeface="Times New Roman" panose="02020603050405020304" pitchFamily="18" charset="0"/>
                 <a:cs typeface="Times New Roman" panose="02020603050405020304" pitchFamily="18" charset="0"/>
               </a:rPr>
               <a:t>2003: Bachelor of Science in Mathematics and Computer Science , HCMC University of Natural Science.</a:t>
             </a:r>
-            <a:endParaRPr lang="en-US" sz="2200" dirty="0">
-              <a:latin typeface="Times New Roman" panose="02020603050405020304" pitchFamily="18" charset="0"/>
-              <a:cs typeface="Times New Roman" panose="02020603050405020304" pitchFamily="18" charset="0"/>
-            </a:endParaRPr>
+          </a:p>
+          <a:p>
+            <a:pPr marL="800100" lvl="1" indent="-342900" algn="just">
+              <a:spcBef>
+                <a:spcPts val="600"/>
+              </a:spcBef>
+              <a:buFont typeface="Arial" panose="020B0604020202020204" pitchFamily="34" charset="0"/>
+              <a:buChar char="•"/>
+              <a:tabLst>
+                <a:tab pos="807085" algn="l"/>
+              </a:tabLst>
+            </a:pPr>
+            <a:r>
+              <a:rPr lang="en-US" sz="2000" dirty="0">
+                <a:latin typeface="Times New Roman" panose="02020603050405020304" pitchFamily="18" charset="0"/>
+                <a:cs typeface="Times New Roman" panose="02020603050405020304" pitchFamily="18" charset="0"/>
+              </a:rPr>
+              <a:t>2023: Bachelor of Art in English Linguistics &amp; Literature, HCMC University of Social Sciences and Humanities</a:t>
+            </a:r>
           </a:p>
           <a:p>
             <a:pPr marL="342900" lvl="1" indent="-342900" algn="just">
@@ -4759,16 +4603,12 @@
               </a:tabLst>
             </a:pPr>
             <a:r>
-              <a:rPr lang="en-US" sz="2200" b="1" dirty="0">
+              <a:rPr lang="en-US" sz="2000" b="1" dirty="0">
                 <a:latin typeface="Times New Roman" panose="02020603050405020304" pitchFamily="18" charset="0"/>
                 <a:cs typeface="Times New Roman" panose="02020603050405020304" pitchFamily="18" charset="0"/>
               </a:rPr>
               <a:t>Employment: </a:t>
             </a:r>
-            <a:endParaRPr lang="en-US" sz="2200" b="1" dirty="0">
-              <a:latin typeface="Times New Roman" panose="02020603050405020304" pitchFamily="18" charset="0"/>
-              <a:cs typeface="Times New Roman" panose="02020603050405020304" pitchFamily="18" charset="0"/>
-            </a:endParaRPr>
           </a:p>
           <a:p>
             <a:pPr marL="800100" lvl="1" indent="-342900" algn="just">
@@ -4782,16 +4622,26 @@
               </a:tabLst>
             </a:pPr>
             <a:r>
-              <a:rPr lang="en-US" sz="2200" dirty="0">
+              <a:rPr lang="en-US" sz="2000" dirty="0">
                 <a:latin typeface="Times New Roman" panose="02020603050405020304" pitchFamily="18" charset="0"/>
                 <a:cs typeface="Times New Roman" panose="02020603050405020304" pitchFamily="18" charset="0"/>
               </a:rPr>
-              <a:t>2021 - now: GIS Solution Manager - VNTT Solutions Ltd.</a:t>
-            </a:r>
-            <a:endParaRPr lang="en-US" sz="2200" dirty="0">
-              <a:latin typeface="Times New Roman" panose="02020603050405020304" pitchFamily="18" charset="0"/>
-              <a:cs typeface="Times New Roman" panose="02020603050405020304" pitchFamily="18" charset="0"/>
-            </a:endParaRPr>
+              <a:t>2023 – now: GIS Team Lead – </a:t>
+            </a:r>
+            <a:r>
+              <a:rPr lang="en-US" sz="2000" dirty="0" err="1">
+                <a:latin typeface="Times New Roman" panose="02020603050405020304" pitchFamily="18" charset="0"/>
+                <a:cs typeface="Times New Roman" panose="02020603050405020304" pitchFamily="18" charset="0"/>
+              </a:rPr>
+              <a:t>Techcraft</a:t>
+            </a:r>
+            <a:r>
+              <a:rPr lang="en-US" sz="2000" dirty="0">
+                <a:latin typeface="Times New Roman" panose="02020603050405020304" pitchFamily="18" charset="0"/>
+                <a:cs typeface="Times New Roman" panose="02020603050405020304" pitchFamily="18" charset="0"/>
+              </a:rPr>
+              <a:t> Ltd.</a:t>
+            </a:r>
           </a:p>
           <a:p>
             <a:pPr marL="800100" lvl="1" indent="-342900" algn="just">
@@ -4805,25 +4655,26 @@
               </a:tabLst>
             </a:pPr>
             <a:r>
-              <a:rPr lang="en-US" sz="2200" dirty="0">
+              <a:rPr lang="en-US" sz="2000" dirty="0">
                 <a:latin typeface="Times New Roman" panose="02020603050405020304" pitchFamily="18" charset="0"/>
                 <a:cs typeface="Times New Roman" panose="02020603050405020304" pitchFamily="18" charset="0"/>
               </a:rPr>
-              <a:t>2008 – 2021: </a:t>
-            </a:r>
-            <a:r>
-              <a:rPr lang="en-US" sz="2200" dirty="0">
+              <a:t>2021 - 2023: GIS Solutions Team Lead - VNTT Solutions Ltd – A member of </a:t>
+            </a:r>
+            <a:r>
+              <a:rPr lang="en-US" sz="2000" dirty="0" err="1">
                 <a:latin typeface="Times New Roman" panose="02020603050405020304" pitchFamily="18" charset="0"/>
                 <a:cs typeface="Times New Roman" panose="02020603050405020304" pitchFamily="18" charset="0"/>
-                <a:sym typeface="+mn-ea"/>
               </a:rPr>
-              <a:t>Head of Technology Development Division - Center for Applied GIS of HCM City</a:t>
-            </a:r>
-            <a:endParaRPr lang="en-US" sz="2200" dirty="0">
-              <a:latin typeface="Times New Roman" panose="02020603050405020304" pitchFamily="18" charset="0"/>
-              <a:cs typeface="Times New Roman" panose="02020603050405020304" pitchFamily="18" charset="0"/>
-              <a:sym typeface="+mn-ea"/>
-            </a:endParaRPr>
+              <a:t>Becamex</a:t>
+            </a:r>
+            <a:r>
+              <a:rPr lang="en-US" sz="2000" dirty="0">
+                <a:latin typeface="Times New Roman" panose="02020603050405020304" pitchFamily="18" charset="0"/>
+                <a:cs typeface="Times New Roman" panose="02020603050405020304" pitchFamily="18" charset="0"/>
+              </a:rPr>
+              <a:t> IDC</a:t>
+            </a:r>
           </a:p>
           <a:p>
             <a:pPr marL="800100" lvl="1" indent="-342900" algn="just">
@@ -4837,30 +4688,53 @@
               </a:tabLst>
             </a:pPr>
             <a:r>
-              <a:rPr lang="en-US" sz="2200" dirty="0">
+              <a:rPr lang="en-US" sz="2000" dirty="0">
+                <a:latin typeface="Times New Roman" panose="02020603050405020304" pitchFamily="18" charset="0"/>
+                <a:cs typeface="Times New Roman" panose="02020603050405020304" pitchFamily="18" charset="0"/>
+              </a:rPr>
+              <a:t>2008 – 2021: </a:t>
+            </a:r>
+            <a:r>
+              <a:rPr lang="en-US" sz="2000" dirty="0">
+                <a:latin typeface="Times New Roman" panose="02020603050405020304" pitchFamily="18" charset="0"/>
+                <a:cs typeface="Times New Roman" panose="02020603050405020304" pitchFamily="18" charset="0"/>
+                <a:sym typeface="+mn-ea"/>
+              </a:rPr>
+              <a:t>Head of Technology Development Division - Center for Applied GIS of HCM City, DOST.</a:t>
+            </a:r>
+          </a:p>
+          <a:p>
+            <a:pPr marL="800100" lvl="1" indent="-342900" algn="just">
+              <a:spcBef>
+                <a:spcPts val="600"/>
+              </a:spcBef>
+              <a:buFont typeface="Arial" panose="020B0604020202020204" pitchFamily="34" charset="0"/>
+              <a:buChar char="•"/>
+              <a:tabLst>
+                <a:tab pos="807085" algn="l"/>
+              </a:tabLst>
+            </a:pPr>
+            <a:r>
+              <a:rPr lang="en-US" sz="2000" dirty="0">
                 <a:latin typeface="Times New Roman" panose="02020603050405020304" pitchFamily="18" charset="0"/>
                 <a:cs typeface="Times New Roman" panose="02020603050405020304" pitchFamily="18" charset="0"/>
               </a:rPr>
               <a:t>Duties:</a:t>
             </a:r>
             <a:r>
-              <a:rPr lang="en-US" sz="2200" i="1" dirty="0">
+              <a:rPr lang="en-US" sz="2000" i="1" dirty="0">
                 <a:latin typeface="Times New Roman" panose="02020603050405020304" pitchFamily="18" charset="0"/>
                 <a:cs typeface="Times New Roman" panose="02020603050405020304" pitchFamily="18" charset="0"/>
               </a:rPr>
               <a:t> </a:t>
             </a:r>
             <a:r>
-              <a:rPr lang="en-US" sz="2200" dirty="0">
+              <a:rPr lang="en-US" sz="2000" dirty="0">
                 <a:latin typeface="Times New Roman" panose="02020603050405020304" pitchFamily="18" charset="0"/>
                 <a:cs typeface="Times New Roman" panose="02020603050405020304" pitchFamily="18" charset="0"/>
               </a:rPr>
               <a:t>Designing and building professional solutions and GIS applications supporting management in urban technical infrastructure, natural resources - environment matters and economic - cultural - social issues.</a:t>
             </a:r>
-            <a:endParaRPr lang="en-US" sz="2200" dirty="0">
-              <a:latin typeface="Times New Roman" panose="02020603050405020304" pitchFamily="18" charset="0"/>
-              <a:cs typeface="Times New Roman" panose="02020603050405020304" pitchFamily="18" charset="0"/>
-            </a:endParaRPr>
           </a:p>
           <a:p>
             <a:pPr marL="1257300" lvl="2" indent="-342900" algn="just">
@@ -5007,10 +4881,6 @@
               </a:rPr>
               <a:t>About me</a:t>
             </a:r>
-            <a:endParaRPr lang="en-US">
-              <a:latin typeface="Times New Roman" panose="02020603050405020304" pitchFamily="18" charset="0"/>
-              <a:cs typeface="Times New Roman" panose="02020603050405020304" pitchFamily="18" charset="0"/>
-            </a:endParaRPr>
           </a:p>
         </p:txBody>
       </p:sp>
@@ -5067,6 +4937,7 @@
             </a:pPr>
             <a:fld id="{F6FC9C8E-0622-48DE-805E-8149CB419E80}" type="slidenum">
               <a:rPr lang="en-US"/>
+              <a:t>7</a:t>
             </a:fld>
             <a:endParaRPr lang="en-US"/>
           </a:p>
@@ -5110,10 +4981,6 @@
               </a:rPr>
               <a:t>Participated Projects/ Research Subjects:</a:t>
             </a:r>
-            <a:endParaRPr lang="en-US" sz="2800" b="1" dirty="0">
-              <a:latin typeface="Times New Roman" panose="02020603050405020304" pitchFamily="18" charset="0"/>
-              <a:cs typeface="Times New Roman" panose="02020603050405020304" pitchFamily="18" charset="0"/>
-            </a:endParaRPr>
           </a:p>
           <a:p>
             <a:pPr marL="800100" lvl="2" indent="-342900" algn="just">
@@ -5147,10 +5014,6 @@
               </a:rPr>
               <a:t>), 2018 – 2021.</a:t>
             </a:r>
-            <a:endParaRPr lang="en-US" sz="2400" dirty="0">
-              <a:latin typeface="Times New Roman" panose="02020603050405020304" pitchFamily="18" charset="0"/>
-              <a:cs typeface="Times New Roman" panose="02020603050405020304" pitchFamily="18" charset="0"/>
-            </a:endParaRPr>
           </a:p>
           <a:p>
             <a:pPr marL="800100" lvl="2" indent="-342900" algn="just">
@@ -5170,10 +5033,6 @@
               </a:rPr>
               <a:t>Building HCMGIS Platforms: GeoPortal, OpenData, GeoSurvey, GeoReference, GeoTag, StoryMaps, PointCloud, 3D, 2018- 2021.</a:t>
             </a:r>
-            <a:endParaRPr lang="en-US" sz="2400" dirty="0">
-              <a:latin typeface="Times New Roman" panose="02020603050405020304" pitchFamily="18" charset="0"/>
-              <a:cs typeface="Times New Roman" panose="02020603050405020304" pitchFamily="18" charset="0"/>
-            </a:endParaRPr>
           </a:p>
           <a:p>
             <a:pPr marL="800100" lvl="2" indent="-342900" algn="just">
@@ -5207,10 +5066,6 @@
               </a:rPr>
               <a:t> City, 2016 – 2018.</a:t>
             </a:r>
-            <a:endParaRPr lang="en-US" sz="2400" dirty="0">
-              <a:latin typeface="Times New Roman" panose="02020603050405020304" pitchFamily="18" charset="0"/>
-              <a:cs typeface="Times New Roman" panose="02020603050405020304" pitchFamily="18" charset="0"/>
-            </a:endParaRPr>
           </a:p>
           <a:p>
             <a:pPr marL="800100" lvl="2" indent="-342900" algn="just">
@@ -5230,10 +5085,6 @@
               </a:rPr>
               <a:t>Updating road network geodatabase to support metro line planning projects of HCM City - funded by Japanese ODA, 2016.</a:t>
             </a:r>
-            <a:endParaRPr lang="en-US" sz="2400" dirty="0">
-              <a:latin typeface="Times New Roman" panose="02020603050405020304" pitchFamily="18" charset="0"/>
-              <a:cs typeface="Times New Roman" panose="02020603050405020304" pitchFamily="18" charset="0"/>
-            </a:endParaRPr>
           </a:p>
           <a:p>
             <a:pPr marL="800100" lvl="2" indent="-342900" algn="just">
@@ -5267,10 +5118,6 @@
               </a:rPr>
               <a:t> application for market and shopping center management and planning of HCM City, 2016.</a:t>
             </a:r>
-            <a:endParaRPr lang="en-US" sz="2400" dirty="0">
-              <a:latin typeface="Times New Roman" panose="02020603050405020304" pitchFamily="18" charset="0"/>
-              <a:cs typeface="Times New Roman" panose="02020603050405020304" pitchFamily="18" charset="0"/>
-            </a:endParaRPr>
           </a:p>
           <a:p>
             <a:pPr marL="800100" lvl="2" indent="-342900" algn="just">
@@ -5408,10 +5255,6 @@
               </a:rPr>
               <a:t>About me</a:t>
             </a:r>
-            <a:endParaRPr lang="en-US">
-              <a:latin typeface="Times New Roman" panose="02020603050405020304" pitchFamily="18" charset="0"/>
-              <a:cs typeface="Times New Roman" panose="02020603050405020304" pitchFamily="18" charset="0"/>
-            </a:endParaRPr>
           </a:p>
         </p:txBody>
       </p:sp>
@@ -5481,11 +5324,6 @@
               </a:rPr>
               <a:t>and enjoy Learning!</a:t>
             </a:r>
-            <a:endParaRPr lang="en-US" sz="4400" dirty="0">
-              <a:solidFill>
-                <a:srgbClr val="FF0000"/>
-              </a:solidFill>
-            </a:endParaRPr>
           </a:p>
         </p:txBody>
       </p:sp>
@@ -5514,6 +5352,7 @@
             </a:pPr>
             <a:fld id="{FB455955-1896-4E3D-983F-2AD3FBC14837}" type="slidenum">
               <a:rPr lang="en-US" smtClean="0"/>
+              <a:t>8</a:t>
             </a:fld>
             <a:endParaRPr lang="en-US"/>
           </a:p>
@@ -5527,13 +5366,6 @@
   <p:transition>
     <p:random/>
   </p:transition>
-  <p:timing>
-    <p:tnLst>
-      <p:par>
-        <p:cTn id="1" dur="indefinite" restart="never" nodeType="tmRoot"/>
-      </p:par>
-    </p:tnLst>
-  </p:timing>
 </p:sld>
 </file>
 
@@ -5785,6 +5617,8 @@
       </a:bgFillStyleLst>
     </a:fmtScheme>
   </a:themeElements>
+  <a:objectDefaults/>
+  <a:extraClrSchemeLst/>
   <a:extLst>
     <a:ext uri="{05A4C25C-085E-4340-85A3-A5531E510DB2}">
       <thm15:themeFamily xmlns:thm15="http://schemas.microsoft.com/office/thememl/2012/main" name="Office Theme" id="{62F939B6-93AF-4DB8-9C6B-D6C7DFDC589F}" vid="{4A3C46E8-61CC-4603-A589-7422A47A8E4A}"/>
@@ -6071,6 +5905,8 @@
       </a:bgFillStyleLst>
     </a:fmtScheme>
   </a:themeElements>
+  <a:objectDefaults/>
+  <a:extraClrSchemeLst/>
   <a:extLst>
     <a:ext uri="{05A4C25C-085E-4340-85A3-A5531E510DB2}">
       <thm15:themeFamily xmlns:thm15="http://schemas.microsoft.com/office/thememl/2012/main" name="Office Theme" id="{62F939B6-93AF-4DB8-9C6B-D6C7DFDC589F}" vid="{4A3C46E8-61CC-4603-A589-7422A47A8E4A}"/>
@@ -6357,6 +6193,8 @@
       </a:bgFillStyleLst>
     </a:fmtScheme>
   </a:themeElements>
+  <a:objectDefaults/>
+  <a:extraClrSchemeLst/>
   <a:extLst>
     <a:ext uri="{05A4C25C-085E-4340-85A3-A5531E510DB2}">
       <thm15:themeFamily xmlns:thm15="http://schemas.microsoft.com/office/thememl/2012/main" name="Office Theme" id="{62F939B6-93AF-4DB8-9C6B-D6C7DFDC589F}" vid="{4A3C46E8-61CC-4603-A589-7422A47A8E4A}"/>
